--- a/presentation/Talker4.0 Release/Talker4 Release.pptx
+++ b/presentation/Talker4.0 Release/Talker4 Release.pptx
@@ -24368,14 +24368,7 @@
                 <a:latin typeface="微软雅黑" pitchFamily="34" charset="-122"/>
                 <a:ea typeface="微软雅黑" pitchFamily="34" charset="-122"/>
               </a:rPr>
-              <a:t>Talker </a:t>
-            </a:r>
-            <a:r>
-              <a:rPr lang="en-US" altLang="zh-CN" sz="11500" b="1" baseline="-25000" dirty="0" smtClean="0">
-                <a:latin typeface="微软雅黑" pitchFamily="34" charset="-122"/>
-                <a:ea typeface="微软雅黑" pitchFamily="34" charset="-122"/>
-              </a:rPr>
-              <a:t>1.0</a:t>
+              <a:t>Talker 1.0</a:t>
             </a:r>
             <a:br>
               <a:rPr lang="en-US" altLang="zh-CN" sz="11500" b="1" baseline="-25000" dirty="0" smtClean="0">
@@ -26821,7 +26814,14 @@
                 <a:latin typeface="微软雅黑" pitchFamily="34" charset="-122"/>
                 <a:ea typeface="微软雅黑" pitchFamily="34" charset="-122"/>
               </a:rPr>
-              <a:t>we even expect</a:t>
+              <a:t>w</a:t>
+            </a:r>
+            <a:r>
+              <a:rPr lang="en-US" altLang="zh-CN" sz="8000" b="1" dirty="0" smtClean="0">
+                <a:latin typeface="微软雅黑" pitchFamily="34" charset="-122"/>
+                <a:ea typeface="微软雅黑" pitchFamily="34" charset="-122"/>
+              </a:rPr>
+              <a:t>e even expect</a:t>
             </a:r>
           </a:p>
           <a:p>
@@ -26899,7 +26899,14 @@
                 <a:latin typeface="微软雅黑" pitchFamily="34" charset="-122"/>
                 <a:ea typeface="微软雅黑" pitchFamily="34" charset="-122"/>
               </a:rPr>
-              <a:t>Net</a:t>
+              <a:t>N</a:t>
+            </a:r>
+            <a:r>
+              <a:rPr lang="en-US" altLang="zh-CN" sz="13800" b="1" dirty="0" smtClean="0">
+                <a:latin typeface="微软雅黑" pitchFamily="34" charset="-122"/>
+                <a:ea typeface="微软雅黑" pitchFamily="34" charset="-122"/>
+              </a:rPr>
+              <a:t>et</a:t>
             </a:r>
             <a:endParaRPr lang="zh-CN" altLang="en-US" sz="13800" b="1" dirty="0">
               <a:latin typeface="微软雅黑" pitchFamily="34" charset="-122"/>
@@ -27055,7 +27062,14 @@
                 <a:latin typeface="微软雅黑" pitchFamily="34" charset="-122"/>
                 <a:ea typeface="微软雅黑" pitchFamily="34" charset="-122"/>
               </a:rPr>
-              <a:t>Demo</a:t>
+              <a:t>D</a:t>
+            </a:r>
+            <a:r>
+              <a:rPr lang="en-US" altLang="zh-CN" sz="16600" b="1" dirty="0" smtClean="0">
+                <a:latin typeface="微软雅黑" pitchFamily="34" charset="-122"/>
+                <a:ea typeface="微软雅黑" pitchFamily="34" charset="-122"/>
+              </a:rPr>
+              <a:t>emo</a:t>
             </a:r>
             <a:endParaRPr lang="zh-CN" altLang="en-US" sz="16600" b="1" dirty="0">
               <a:latin typeface="微软雅黑" pitchFamily="34" charset="-122"/>
@@ -27473,6 +27487,10 @@
               </a:rPr>
               <a:t>Tip</a:t>
             </a:r>
+            <a:endParaRPr lang="en-US" altLang="zh-CN" sz="11500" b="1" dirty="0" smtClean="0">
+              <a:latin typeface="微软雅黑" pitchFamily="34" charset="-122"/>
+              <a:ea typeface="微软雅黑" pitchFamily="34" charset="-122"/>
+            </a:endParaRPr>
           </a:p>
           <a:p>
             <a:r>
@@ -28253,7 +28271,14 @@
                 <a:latin typeface="微软雅黑" pitchFamily="34" charset="-122"/>
                 <a:ea typeface="微软雅黑" pitchFamily="34" charset="-122"/>
               </a:rPr>
-              <a:t>we even expect</a:t>
+              <a:t>w</a:t>
+            </a:r>
+            <a:r>
+              <a:rPr lang="en-US" altLang="zh-CN" sz="8000" b="1" dirty="0" smtClean="0">
+                <a:latin typeface="微软雅黑" pitchFamily="34" charset="-122"/>
+                <a:ea typeface="微软雅黑" pitchFamily="34" charset="-122"/>
+              </a:rPr>
+              <a:t>e even expect</a:t>
             </a:r>
           </a:p>
           <a:p>
